--- a/Lectures2025/CITS5503CloudComputingIntro_week1.pptx
+++ b/Lectures2025/CITS5503CloudComputingIntro_week1.pptx
@@ -26630,7 +26630,7 @@
             </a:r>
             <a:r>
               <a:rPr lang="en-US" sz="2200" dirty="0"/>
-              <a:t>Cloud computing enables on-demand computing resources by providing virtualized computing resources. </a:t>
+              <a:t>Cloud computing enables on-demand computing resources by providing virtual machines as instances. </a:t>
             </a:r>
           </a:p>
           <a:p>
@@ -27271,7 +27271,7 @@
                   <a:srgbClr val="1F2328"/>
                 </a:solidFill>
               </a:rPr>
-              <a:t>Financial institutions must ensure CIA of user data security. By hosting their application in their own data center, the company can better protect their data security.</a:t>
+              <a:t>Financial institutions must ensure user data security. By hosting their application in their own data center, the company can better protect their data security.</a:t>
             </a:r>
           </a:p>
         </p:txBody>
@@ -27605,7 +27605,7 @@
                   <a:srgbClr val="1F2328"/>
                 </a:solidFill>
               </a:rPr>
-              <a:t>Financial institutions must ensure CIA of user data security. By hosting their application in their own data center, the company can better protect their data security.</a:t>
+              <a:t>Financial institutions must ensure user data security. By hosting their application in their own data center, the company can better protect their data security.</a:t>
             </a:r>
           </a:p>
           <a:p>
@@ -27987,7 +27987,7 @@
                   <a:srgbClr val="1F2328"/>
                 </a:solidFill>
               </a:rPr>
-              <a:t>Financial institutions must ensure CIA of user data security. By hosting their application in their own data center, the company can better protect their data security.</a:t>
+              <a:t>Financial institutions must ensure user data security. By hosting their application in their own data center, the company can better protect their data security.</a:t>
             </a:r>
           </a:p>
           <a:p>

--- a/Lectures2025/CITS5503CloudComputingIntro_week1.pptx
+++ b/Lectures2025/CITS5503CloudComputingIntro_week1.pptx
@@ -10686,7 +10686,7 @@
           <a:noFill/>
           <a:extLst>
             <a:ext uri="{909E8E84-426E-40dd-AFC4-6F175D3DCCD1}">
-              <a14:hiddenFill xmlns="" xmlns:a14="http://schemas.microsoft.com/office/drawing/2010/main">
+              <a14:hiddenFill xmlns:a14="http://schemas.microsoft.com/office/drawing/2010/main" xmlns="">
                 <a:solidFill>
                   <a:srgbClr val="FFFFFF"/>
                 </a:solidFill>
@@ -11098,7 +11098,7 @@
           <a:noFill/>
           <a:extLst>
             <a:ext uri="{909E8E84-426E-40dd-AFC4-6F175D3DCCD1}">
-              <a14:hiddenFill xmlns="" xmlns:a14="http://schemas.microsoft.com/office/drawing/2010/main">
+              <a14:hiddenFill xmlns:a14="http://schemas.microsoft.com/office/drawing/2010/main" xmlns="">
                 <a:solidFill>
                   <a:srgbClr val="FFFFFF"/>
                 </a:solidFill>
@@ -11145,7 +11145,7 @@
           <a:noFill/>
           <a:extLst>
             <a:ext uri="{909E8E84-426E-40dd-AFC4-6F175D3DCCD1}">
-              <a14:hiddenFill xmlns="" xmlns:a14="http://schemas.microsoft.com/office/drawing/2010/main">
+              <a14:hiddenFill xmlns:a14="http://schemas.microsoft.com/office/drawing/2010/main" xmlns="">
                 <a:solidFill>
                   <a:srgbClr val="FFFFFF"/>
                 </a:solidFill>
@@ -11192,7 +11192,7 @@
           <a:noFill/>
           <a:extLst>
             <a:ext uri="{909E8E84-426E-40dd-AFC4-6F175D3DCCD1}">
-              <a14:hiddenFill xmlns="" xmlns:a14="http://schemas.microsoft.com/office/drawing/2010/main">
+              <a14:hiddenFill xmlns:a14="http://schemas.microsoft.com/office/drawing/2010/main" xmlns="">
                 <a:solidFill>
                   <a:srgbClr val="FFFFFF"/>
                 </a:solidFill>
@@ -11239,7 +11239,7 @@
           <a:noFill/>
           <a:extLst>
             <a:ext uri="{909E8E84-426E-40dd-AFC4-6F175D3DCCD1}">
-              <a14:hiddenFill xmlns="" xmlns:a14="http://schemas.microsoft.com/office/drawing/2010/main">
+              <a14:hiddenFill xmlns:a14="http://schemas.microsoft.com/office/drawing/2010/main" xmlns="">
                 <a:solidFill>
                   <a:srgbClr val="FFFFFF"/>
                 </a:solidFill>
@@ -11527,7 +11527,7 @@
           <a:noFill/>
           <a:extLst>
             <a:ext uri="{909E8E84-426E-40dd-AFC4-6F175D3DCCD1}">
-              <a14:hiddenFill xmlns="" xmlns:a14="http://schemas.microsoft.com/office/drawing/2010/main">
+              <a14:hiddenFill xmlns:a14="http://schemas.microsoft.com/office/drawing/2010/main" xmlns="">
                 <a:solidFill>
                   <a:srgbClr val="FFFFFF"/>
                 </a:solidFill>
@@ -13842,12 +13842,21 @@
               <a:t>Except </a:t>
             </a:r>
             <a:r>
-              <a:rPr lang="en-AU" sz="2400" b="1" dirty="0">
+              <a:rPr lang="en-AU" sz="2400" b="1">
                 <a:latin typeface="Calibri" panose="020F0502020204030204" pitchFamily="34" charset="0"/>
                 <a:ea typeface="DengXian" panose="02010600030101010101" pitchFamily="2" charset="-122"/>
                 <a:cs typeface="Times New Roman" panose="02020603050405020304" pitchFamily="18" charset="0"/>
               </a:rPr>
               <a:t>W</a:t>
+            </a:r>
+            <a:r>
+              <a:rPr lang="en-AU" sz="2400" b="1">
+                <a:effectLst/>
+                <a:latin typeface="Calibri" panose="020F0502020204030204" pitchFamily="34" charset="0"/>
+                <a:ea typeface="DengXian" panose="02010600030101010101" pitchFamily="2" charset="-122"/>
+                <a:cs typeface="Times New Roman" panose="02020603050405020304" pitchFamily="18" charset="0"/>
+              </a:rPr>
+              <a:t>eeks 1 </a:t>
             </a:r>
             <a:r>
               <a:rPr lang="en-AU" sz="2400" b="1" dirty="0">
@@ -13856,7 +13865,7 @@
                 <a:ea typeface="DengXian" panose="02010600030101010101" pitchFamily="2" charset="-122"/>
                 <a:cs typeface="Times New Roman" panose="02020603050405020304" pitchFamily="18" charset="0"/>
               </a:rPr>
-              <a:t>eeks 1, 5 and 12</a:t>
+              <a:t>and 12</a:t>
             </a:r>
             <a:r>
               <a:rPr lang="en-AU" sz="2400" dirty="0">
@@ -14530,7 +14539,7 @@
               <a:rPr lang="en-US" sz="2000" dirty="0">
                 <a:cs typeface="Arial" panose="020B0604020202020204" pitchFamily="34" charset="0"/>
               </a:rPr>
-              <a:t>For labs 1-5, due date:  11:59pm 15 September</a:t>
+              <a:t>For labs 1-5, due date:  11:59pm 16 September</a:t>
             </a:r>
           </a:p>
           <a:p>
@@ -14560,7 +14569,7 @@
               <a:rPr lang="en-US" sz="2000" dirty="0">
                 <a:cs typeface="Arial" panose="020B0604020202020204" pitchFamily="34" charset="0"/>
               </a:rPr>
-              <a:t>For labs 6-9, due date:  11:59pm 13 October</a:t>
+              <a:t>For labs 6-9, due date:  11:59pm 14 October</a:t>
             </a:r>
           </a:p>
           <a:p>
@@ -14619,7 +14628,7 @@
                 </a:solidFill>
                 <a:cs typeface="Arial" panose="020B0604020202020204" pitchFamily="34" charset="0"/>
               </a:rPr>
-              <a:t>Weeks 1,5 and 12.</a:t>
+              <a:t>Weeks 1 and 12.</a:t>
             </a:r>
           </a:p>
           <a:p>
@@ -15653,7 +15662,7 @@
           </a:ln>
           <a:extLst>
             <a:ext uri="{C572A759-6A51-4108-AA02-DFA0A04FC94B}">
-              <ma14:wrappingTextBoxFlag xmlns="" xmlns:m="http://schemas.openxmlformats.org/officeDocument/2006/math" xmlns:a14="http://schemas.microsoft.com/office/drawing/2010/main" xmlns:ma14="http://schemas.microsoft.com/office/mac/drawingml/2011/main" val="1"/>
+              <ma14:wrappingTextBoxFlag xmlns:ma14="http://schemas.microsoft.com/office/mac/drawingml/2011/main" xmlns:a14="http://schemas.microsoft.com/office/drawing/2010/main" xmlns:m="http://schemas.openxmlformats.org/officeDocument/2006/math" xmlns="" val="1"/>
             </a:ext>
           </a:extLst>
         </p:spPr>
@@ -16222,7 +16231,7 @@
           </a:ln>
           <a:extLst>
             <a:ext uri="{C572A759-6A51-4108-AA02-DFA0A04FC94B}">
-              <ma14:wrappingTextBoxFlag xmlns="" xmlns:m="http://schemas.openxmlformats.org/officeDocument/2006/math" xmlns:a14="http://schemas.microsoft.com/office/drawing/2010/main" xmlns:ma14="http://schemas.microsoft.com/office/mac/drawingml/2011/main" val="1"/>
+              <ma14:wrappingTextBoxFlag xmlns:ma14="http://schemas.microsoft.com/office/mac/drawingml/2011/main" xmlns:a14="http://schemas.microsoft.com/office/drawing/2010/main" xmlns:m="http://schemas.openxmlformats.org/officeDocument/2006/math" xmlns="" val="1"/>
             </a:ext>
           </a:extLst>
         </p:spPr>
@@ -16552,7 +16561,7 @@
           </a:ln>
           <a:extLst>
             <a:ext uri="{C572A759-6A51-4108-AA02-DFA0A04FC94B}">
-              <ma14:wrappingTextBoxFlag xmlns="" xmlns:m="http://schemas.openxmlformats.org/officeDocument/2006/math" xmlns:a14="http://schemas.microsoft.com/office/drawing/2010/main" xmlns:ma14="http://schemas.microsoft.com/office/mac/drawingml/2011/main" val="1"/>
+              <ma14:wrappingTextBoxFlag xmlns:ma14="http://schemas.microsoft.com/office/mac/drawingml/2011/main" xmlns:a14="http://schemas.microsoft.com/office/drawing/2010/main" xmlns:m="http://schemas.openxmlformats.org/officeDocument/2006/math" xmlns="" val="1"/>
             </a:ext>
           </a:extLst>
         </p:spPr>
@@ -16896,7 +16905,7 @@
           </a:ln>
           <a:extLst>
             <a:ext uri="{C572A759-6A51-4108-AA02-DFA0A04FC94B}">
-              <ma14:wrappingTextBoxFlag xmlns="" xmlns:m="http://schemas.openxmlformats.org/officeDocument/2006/math" xmlns:a14="http://schemas.microsoft.com/office/drawing/2010/main" xmlns:ma14="http://schemas.microsoft.com/office/mac/drawingml/2011/main" val="1"/>
+              <ma14:wrappingTextBoxFlag xmlns:ma14="http://schemas.microsoft.com/office/mac/drawingml/2011/main" xmlns:a14="http://schemas.microsoft.com/office/drawing/2010/main" xmlns:m="http://schemas.openxmlformats.org/officeDocument/2006/math" xmlns="" val="1"/>
             </a:ext>
           </a:extLst>
         </p:spPr>
@@ -17251,7 +17260,7 @@
           </a:ln>
           <a:extLst>
             <a:ext uri="{C572A759-6A51-4108-AA02-DFA0A04FC94B}">
-              <ma14:wrappingTextBoxFlag xmlns="" xmlns:m="http://schemas.openxmlformats.org/officeDocument/2006/math" xmlns:a14="http://schemas.microsoft.com/office/drawing/2010/main" xmlns:ma14="http://schemas.microsoft.com/office/mac/drawingml/2011/main" val="1"/>
+              <ma14:wrappingTextBoxFlag xmlns:ma14="http://schemas.microsoft.com/office/mac/drawingml/2011/main" xmlns:a14="http://schemas.microsoft.com/office/drawing/2010/main" xmlns:m="http://schemas.openxmlformats.org/officeDocument/2006/math" xmlns="" val="1"/>
             </a:ext>
           </a:extLst>
         </p:spPr>
@@ -17674,7 +17683,7 @@
           </a:ln>
           <a:extLst>
             <a:ext uri="{C572A759-6A51-4108-AA02-DFA0A04FC94B}">
-              <ma14:wrappingTextBoxFlag xmlns="" xmlns:m="http://schemas.openxmlformats.org/officeDocument/2006/math" xmlns:a14="http://schemas.microsoft.com/office/drawing/2010/main" xmlns:ma14="http://schemas.microsoft.com/office/mac/drawingml/2011/main" val="1"/>
+              <ma14:wrappingTextBoxFlag xmlns:ma14="http://schemas.microsoft.com/office/mac/drawingml/2011/main" xmlns:a14="http://schemas.microsoft.com/office/drawing/2010/main" xmlns:m="http://schemas.openxmlformats.org/officeDocument/2006/math" xmlns="" val="1"/>
             </a:ext>
           </a:extLst>
         </p:spPr>
@@ -17722,7 +17731,7 @@
           </a:ln>
           <a:extLst>
             <a:ext uri="{C572A759-6A51-4108-AA02-DFA0A04FC94B}">
-              <ma14:wrappingTextBoxFlag xmlns="" xmlns:m="http://schemas.openxmlformats.org/officeDocument/2006/math" xmlns:a14="http://schemas.microsoft.com/office/drawing/2010/main" xmlns:ma14="http://schemas.microsoft.com/office/mac/drawingml/2011/main" val="1"/>
+              <ma14:wrappingTextBoxFlag xmlns:ma14="http://schemas.microsoft.com/office/mac/drawingml/2011/main" xmlns:a14="http://schemas.microsoft.com/office/drawing/2010/main" xmlns:m="http://schemas.openxmlformats.org/officeDocument/2006/math" xmlns="" val="1"/>
             </a:ext>
           </a:extLst>
         </p:spPr>
@@ -17770,7 +17779,7 @@
           </a:ln>
           <a:extLst>
             <a:ext uri="{C572A759-6A51-4108-AA02-DFA0A04FC94B}">
-              <ma14:wrappingTextBoxFlag xmlns="" xmlns:m="http://schemas.openxmlformats.org/officeDocument/2006/math" xmlns:a14="http://schemas.microsoft.com/office/drawing/2010/main" xmlns:ma14="http://schemas.microsoft.com/office/mac/drawingml/2011/main" val="1"/>
+              <ma14:wrappingTextBoxFlag xmlns:ma14="http://schemas.microsoft.com/office/mac/drawingml/2011/main" xmlns:a14="http://schemas.microsoft.com/office/drawing/2010/main" xmlns:m="http://schemas.openxmlformats.org/officeDocument/2006/math" xmlns="" val="1"/>
             </a:ext>
           </a:extLst>
         </p:spPr>
@@ -18242,7 +18251,7 @@
           </a:ln>
           <a:extLst>
             <a:ext uri="{C572A759-6A51-4108-AA02-DFA0A04FC94B}">
-              <ma14:wrappingTextBoxFlag xmlns="" xmlns:m="http://schemas.openxmlformats.org/officeDocument/2006/math" xmlns:a14="http://schemas.microsoft.com/office/drawing/2010/main" xmlns:ma14="http://schemas.microsoft.com/office/mac/drawingml/2011/main" val="1"/>
+              <ma14:wrappingTextBoxFlag xmlns:ma14="http://schemas.microsoft.com/office/mac/drawingml/2011/main" xmlns:a14="http://schemas.microsoft.com/office/drawing/2010/main" xmlns:m="http://schemas.openxmlformats.org/officeDocument/2006/math" xmlns="" val="1"/>
             </a:ext>
           </a:extLst>
         </p:spPr>
@@ -18308,7 +18317,7 @@
           </a:ln>
           <a:extLst>
             <a:ext uri="{C572A759-6A51-4108-AA02-DFA0A04FC94B}">
-              <ma14:wrappingTextBoxFlag xmlns="" xmlns:m="http://schemas.openxmlformats.org/officeDocument/2006/math" xmlns:a14="http://schemas.microsoft.com/office/drawing/2010/main" xmlns:ma14="http://schemas.microsoft.com/office/mac/drawingml/2011/main" val="1"/>
+              <ma14:wrappingTextBoxFlag xmlns:ma14="http://schemas.microsoft.com/office/mac/drawingml/2011/main" xmlns:a14="http://schemas.microsoft.com/office/drawing/2010/main" xmlns:m="http://schemas.openxmlformats.org/officeDocument/2006/math" xmlns="" val="1"/>
             </a:ext>
           </a:extLst>
         </p:spPr>
@@ -18388,7 +18397,7 @@
           </a:ln>
           <a:extLst>
             <a:ext uri="{C572A759-6A51-4108-AA02-DFA0A04FC94B}">
-              <ma14:wrappingTextBoxFlag xmlns="" xmlns:m="http://schemas.openxmlformats.org/officeDocument/2006/math" xmlns:a14="http://schemas.microsoft.com/office/drawing/2010/main" xmlns:ma14="http://schemas.microsoft.com/office/mac/drawingml/2011/main" val="1"/>
+              <ma14:wrappingTextBoxFlag xmlns:ma14="http://schemas.microsoft.com/office/mac/drawingml/2011/main" xmlns:a14="http://schemas.microsoft.com/office/drawing/2010/main" xmlns:m="http://schemas.openxmlformats.org/officeDocument/2006/math" xmlns="" val="1"/>
             </a:ext>
           </a:extLst>
         </p:spPr>
@@ -18473,7 +18482,7 @@
           </a:ln>
           <a:extLst>
             <a:ext uri="{C572A759-6A51-4108-AA02-DFA0A04FC94B}">
-              <ma14:wrappingTextBoxFlag xmlns="" xmlns:m="http://schemas.openxmlformats.org/officeDocument/2006/math" xmlns:a14="http://schemas.microsoft.com/office/drawing/2010/main" xmlns:ma14="http://schemas.microsoft.com/office/mac/drawingml/2011/main" val="1"/>
+              <ma14:wrappingTextBoxFlag xmlns:ma14="http://schemas.microsoft.com/office/mac/drawingml/2011/main" xmlns:a14="http://schemas.microsoft.com/office/drawing/2010/main" xmlns:m="http://schemas.openxmlformats.org/officeDocument/2006/math" xmlns="" val="1"/>
             </a:ext>
           </a:extLst>
         </p:spPr>
@@ -18961,7 +18970,7 @@
           </a:ln>
           <a:extLst>
             <a:ext uri="{C572A759-6A51-4108-AA02-DFA0A04FC94B}">
-              <ma14:wrappingTextBoxFlag xmlns="" xmlns:m="http://schemas.openxmlformats.org/officeDocument/2006/math" xmlns:a14="http://schemas.microsoft.com/office/drawing/2010/main" xmlns:ma14="http://schemas.microsoft.com/office/mac/drawingml/2011/main" val="1"/>
+              <ma14:wrappingTextBoxFlag xmlns:ma14="http://schemas.microsoft.com/office/mac/drawingml/2011/main" xmlns:a14="http://schemas.microsoft.com/office/drawing/2010/main" xmlns:m="http://schemas.openxmlformats.org/officeDocument/2006/math" xmlns="" val="1"/>
             </a:ext>
           </a:extLst>
         </p:spPr>
@@ -19009,7 +19018,7 @@
           </a:ln>
           <a:extLst>
             <a:ext uri="{C572A759-6A51-4108-AA02-DFA0A04FC94B}">
-              <ma14:wrappingTextBoxFlag xmlns="" xmlns:m="http://schemas.openxmlformats.org/officeDocument/2006/math" xmlns:a14="http://schemas.microsoft.com/office/drawing/2010/main" xmlns:ma14="http://schemas.microsoft.com/office/mac/drawingml/2011/main" val="1"/>
+              <ma14:wrappingTextBoxFlag xmlns:ma14="http://schemas.microsoft.com/office/mac/drawingml/2011/main" xmlns:a14="http://schemas.microsoft.com/office/drawing/2010/main" xmlns:m="http://schemas.openxmlformats.org/officeDocument/2006/math" xmlns="" val="1"/>
             </a:ext>
           </a:extLst>
         </p:spPr>
@@ -19057,7 +19066,7 @@
           </a:ln>
           <a:extLst>
             <a:ext uri="{C572A759-6A51-4108-AA02-DFA0A04FC94B}">
-              <ma14:wrappingTextBoxFlag xmlns="" xmlns:m="http://schemas.openxmlformats.org/officeDocument/2006/math" xmlns:a14="http://schemas.microsoft.com/office/drawing/2010/main" xmlns:ma14="http://schemas.microsoft.com/office/mac/drawingml/2011/main" val="1"/>
+              <ma14:wrappingTextBoxFlag xmlns:ma14="http://schemas.microsoft.com/office/mac/drawingml/2011/main" xmlns:a14="http://schemas.microsoft.com/office/drawing/2010/main" xmlns:m="http://schemas.openxmlformats.org/officeDocument/2006/math" xmlns="" val="1"/>
             </a:ext>
           </a:extLst>
         </p:spPr>
@@ -19105,7 +19114,7 @@
           </a:ln>
           <a:extLst>
             <a:ext uri="{C572A759-6A51-4108-AA02-DFA0A04FC94B}">
-              <ma14:wrappingTextBoxFlag xmlns="" xmlns:m="http://schemas.openxmlformats.org/officeDocument/2006/math" xmlns:a14="http://schemas.microsoft.com/office/drawing/2010/main" xmlns:ma14="http://schemas.microsoft.com/office/mac/drawingml/2011/main" val="1"/>
+              <ma14:wrappingTextBoxFlag xmlns:ma14="http://schemas.microsoft.com/office/mac/drawingml/2011/main" xmlns:a14="http://schemas.microsoft.com/office/drawing/2010/main" xmlns:m="http://schemas.openxmlformats.org/officeDocument/2006/math" xmlns="" val="1"/>
             </a:ext>
           </a:extLst>
         </p:spPr>
@@ -19405,7 +19414,7 @@
           </a:ln>
           <a:extLst>
             <a:ext uri="{C572A759-6A51-4108-AA02-DFA0A04FC94B}">
-              <ma14:wrappingTextBoxFlag xmlns="" xmlns:m="http://schemas.openxmlformats.org/officeDocument/2006/math" xmlns:a14="http://schemas.microsoft.com/office/drawing/2010/main" xmlns:ma14="http://schemas.microsoft.com/office/mac/drawingml/2011/main" val="1"/>
+              <ma14:wrappingTextBoxFlag xmlns:ma14="http://schemas.microsoft.com/office/mac/drawingml/2011/main" xmlns:a14="http://schemas.microsoft.com/office/drawing/2010/main" xmlns:m="http://schemas.openxmlformats.org/officeDocument/2006/math" xmlns="" val="1"/>
             </a:ext>
           </a:extLst>
         </p:spPr>
@@ -19480,7 +19489,7 @@
           </a:ln>
           <a:extLst>
             <a:ext uri="{C572A759-6A51-4108-AA02-DFA0A04FC94B}">
-              <ma14:wrappingTextBoxFlag xmlns="" xmlns:m="http://schemas.openxmlformats.org/officeDocument/2006/math" xmlns:a14="http://schemas.microsoft.com/office/drawing/2010/main" xmlns:ma14="http://schemas.microsoft.com/office/mac/drawingml/2011/main" val="1"/>
+              <ma14:wrappingTextBoxFlag xmlns:ma14="http://schemas.microsoft.com/office/mac/drawingml/2011/main" xmlns:a14="http://schemas.microsoft.com/office/drawing/2010/main" xmlns:m="http://schemas.openxmlformats.org/officeDocument/2006/math" xmlns="" val="1"/>
             </a:ext>
           </a:extLst>
         </p:spPr>
@@ -19534,7 +19543,7 @@
           </a:ln>
           <a:extLst>
             <a:ext uri="{C572A759-6A51-4108-AA02-DFA0A04FC94B}">
-              <ma14:wrappingTextBoxFlag xmlns="" xmlns:m="http://schemas.openxmlformats.org/officeDocument/2006/math" xmlns:a14="http://schemas.microsoft.com/office/drawing/2010/main" xmlns:ma14="http://schemas.microsoft.com/office/mac/drawingml/2011/main" val="1"/>
+              <ma14:wrappingTextBoxFlag xmlns:ma14="http://schemas.microsoft.com/office/mac/drawingml/2011/main" xmlns:a14="http://schemas.microsoft.com/office/drawing/2010/main" xmlns:m="http://schemas.openxmlformats.org/officeDocument/2006/math" xmlns="" val="1"/>
             </a:ext>
           </a:extLst>
         </p:spPr>
@@ -19884,7 +19893,7 @@
           </a:ln>
           <a:extLst>
             <a:ext uri="{C572A759-6A51-4108-AA02-DFA0A04FC94B}">
-              <ma14:wrappingTextBoxFlag xmlns="" xmlns:m="http://schemas.openxmlformats.org/officeDocument/2006/math" xmlns:a14="http://schemas.microsoft.com/office/drawing/2010/main" xmlns:ma14="http://schemas.microsoft.com/office/mac/drawingml/2011/main" val="1"/>
+              <ma14:wrappingTextBoxFlag xmlns:ma14="http://schemas.microsoft.com/office/mac/drawingml/2011/main" xmlns:a14="http://schemas.microsoft.com/office/drawing/2010/main" xmlns:m="http://schemas.openxmlformats.org/officeDocument/2006/math" xmlns="" val="1"/>
             </a:ext>
           </a:extLst>
         </p:spPr>
@@ -19987,7 +19996,7 @@
           </a:ln>
           <a:extLst>
             <a:ext uri="{C572A759-6A51-4108-AA02-DFA0A04FC94B}">
-              <ma14:wrappingTextBoxFlag xmlns="" xmlns:m="http://schemas.openxmlformats.org/officeDocument/2006/math" xmlns:a14="http://schemas.microsoft.com/office/drawing/2010/main" xmlns:ma14="http://schemas.microsoft.com/office/mac/drawingml/2011/main" val="1"/>
+              <ma14:wrappingTextBoxFlag xmlns:ma14="http://schemas.microsoft.com/office/mac/drawingml/2011/main" xmlns:a14="http://schemas.microsoft.com/office/drawing/2010/main" xmlns:m="http://schemas.openxmlformats.org/officeDocument/2006/math" xmlns="" val="1"/>
             </a:ext>
           </a:extLst>
         </p:spPr>
@@ -20189,7 +20198,7 @@
           </a:ln>
           <a:extLst>
             <a:ext uri="{C572A759-6A51-4108-AA02-DFA0A04FC94B}">
-              <ma14:wrappingTextBoxFlag xmlns="" xmlns:m="http://schemas.openxmlformats.org/officeDocument/2006/math" xmlns:a14="http://schemas.microsoft.com/office/drawing/2010/main" xmlns:ma14="http://schemas.microsoft.com/office/mac/drawingml/2011/main" val="1"/>
+              <ma14:wrappingTextBoxFlag xmlns:ma14="http://schemas.microsoft.com/office/mac/drawingml/2011/main" xmlns:a14="http://schemas.microsoft.com/office/drawing/2010/main" xmlns:m="http://schemas.openxmlformats.org/officeDocument/2006/math" xmlns="" val="1"/>
             </a:ext>
           </a:extLst>
         </p:spPr>
@@ -20416,7 +20425,7 @@
           </a:ln>
           <a:extLst>
             <a:ext uri="{C572A759-6A51-4108-AA02-DFA0A04FC94B}">
-              <ma14:wrappingTextBoxFlag xmlns="" xmlns:m="http://schemas.openxmlformats.org/officeDocument/2006/math" xmlns:a14="http://schemas.microsoft.com/office/drawing/2010/main" xmlns:ma14="http://schemas.microsoft.com/office/mac/drawingml/2011/main" val="1"/>
+              <ma14:wrappingTextBoxFlag xmlns:ma14="http://schemas.microsoft.com/office/mac/drawingml/2011/main" xmlns:a14="http://schemas.microsoft.com/office/drawing/2010/main" xmlns:m="http://schemas.openxmlformats.org/officeDocument/2006/math" xmlns="" val="1"/>
             </a:ext>
           </a:extLst>
         </p:spPr>
@@ -21082,7 +21091,7 @@
           </a:ln>
           <a:extLst>
             <a:ext uri="{C572A759-6A51-4108-AA02-DFA0A04FC94B}">
-              <ma14:wrappingTextBoxFlag xmlns="" xmlns:m="http://schemas.openxmlformats.org/officeDocument/2006/math" xmlns:a14="http://schemas.microsoft.com/office/drawing/2010/main" xmlns:ma14="http://schemas.microsoft.com/office/mac/drawingml/2011/main" val="1"/>
+              <ma14:wrappingTextBoxFlag xmlns:ma14="http://schemas.microsoft.com/office/mac/drawingml/2011/main" xmlns:a14="http://schemas.microsoft.com/office/drawing/2010/main" xmlns:m="http://schemas.openxmlformats.org/officeDocument/2006/math" xmlns="" val="1"/>
             </a:ext>
           </a:extLst>
         </p:spPr>
@@ -21130,7 +21139,7 @@
           </a:ln>
           <a:extLst>
             <a:ext uri="{C572A759-6A51-4108-AA02-DFA0A04FC94B}">
-              <ma14:wrappingTextBoxFlag xmlns="" xmlns:m="http://schemas.openxmlformats.org/officeDocument/2006/math" xmlns:a14="http://schemas.microsoft.com/office/drawing/2010/main" xmlns:ma14="http://schemas.microsoft.com/office/mac/drawingml/2011/main" val="1"/>
+              <ma14:wrappingTextBoxFlag xmlns:ma14="http://schemas.microsoft.com/office/mac/drawingml/2011/main" xmlns:a14="http://schemas.microsoft.com/office/drawing/2010/main" xmlns:m="http://schemas.openxmlformats.org/officeDocument/2006/math" xmlns="" val="1"/>
             </a:ext>
           </a:extLst>
         </p:spPr>
@@ -21178,7 +21187,7 @@
           </a:ln>
           <a:extLst>
             <a:ext uri="{C572A759-6A51-4108-AA02-DFA0A04FC94B}">
-              <ma14:wrappingTextBoxFlag xmlns="" xmlns:m="http://schemas.openxmlformats.org/officeDocument/2006/math" xmlns:a14="http://schemas.microsoft.com/office/drawing/2010/main" xmlns:ma14="http://schemas.microsoft.com/office/mac/drawingml/2011/main" val="1"/>
+              <ma14:wrappingTextBoxFlag xmlns:ma14="http://schemas.microsoft.com/office/mac/drawingml/2011/main" xmlns:a14="http://schemas.microsoft.com/office/drawing/2010/main" xmlns:m="http://schemas.openxmlformats.org/officeDocument/2006/math" xmlns="" val="1"/>
             </a:ext>
           </a:extLst>
         </p:spPr>
@@ -21226,7 +21235,7 @@
           </a:ln>
           <a:extLst>
             <a:ext uri="{C572A759-6A51-4108-AA02-DFA0A04FC94B}">
-              <ma14:wrappingTextBoxFlag xmlns="" xmlns:m="http://schemas.openxmlformats.org/officeDocument/2006/math" xmlns:a14="http://schemas.microsoft.com/office/drawing/2010/main" xmlns:ma14="http://schemas.microsoft.com/office/mac/drawingml/2011/main" val="1"/>
+              <ma14:wrappingTextBoxFlag xmlns:ma14="http://schemas.microsoft.com/office/mac/drawingml/2011/main" xmlns:a14="http://schemas.microsoft.com/office/drawing/2010/main" xmlns:m="http://schemas.openxmlformats.org/officeDocument/2006/math" xmlns="" val="1"/>
             </a:ext>
           </a:extLst>
         </p:spPr>
@@ -21274,7 +21283,7 @@
           </a:ln>
           <a:extLst>
             <a:ext uri="{C572A759-6A51-4108-AA02-DFA0A04FC94B}">
-              <ma14:wrappingTextBoxFlag xmlns="" xmlns:m="http://schemas.openxmlformats.org/officeDocument/2006/math" xmlns:a14="http://schemas.microsoft.com/office/drawing/2010/main" xmlns:ma14="http://schemas.microsoft.com/office/mac/drawingml/2011/main" val="1"/>
+              <ma14:wrappingTextBoxFlag xmlns:ma14="http://schemas.microsoft.com/office/mac/drawingml/2011/main" xmlns:a14="http://schemas.microsoft.com/office/drawing/2010/main" xmlns:m="http://schemas.openxmlformats.org/officeDocument/2006/math" xmlns="" val="1"/>
             </a:ext>
           </a:extLst>
         </p:spPr>
@@ -22227,7 +22236,7 @@
           </a:ln>
           <a:extLst>
             <a:ext uri="{C572A759-6A51-4108-AA02-DFA0A04FC94B}">
-              <ma14:wrappingTextBoxFlag xmlns="" xmlns:m="http://schemas.openxmlformats.org/officeDocument/2006/math" xmlns:a14="http://schemas.microsoft.com/office/drawing/2010/main" xmlns:ma14="http://schemas.microsoft.com/office/mac/drawingml/2011/main" val="1"/>
+              <ma14:wrappingTextBoxFlag xmlns:ma14="http://schemas.microsoft.com/office/mac/drawingml/2011/main" xmlns:a14="http://schemas.microsoft.com/office/drawing/2010/main" xmlns:m="http://schemas.openxmlformats.org/officeDocument/2006/math" xmlns="" val="1"/>
             </a:ext>
           </a:extLst>
         </p:spPr>
@@ -22531,7 +22540,7 @@
           </a:ln>
           <a:extLst>
             <a:ext uri="{C572A759-6A51-4108-AA02-DFA0A04FC94B}">
-              <ma14:wrappingTextBoxFlag xmlns="" xmlns:m="http://schemas.openxmlformats.org/officeDocument/2006/math" xmlns:a14="http://schemas.microsoft.com/office/drawing/2010/main" xmlns:ma14="http://schemas.microsoft.com/office/mac/drawingml/2011/main" val="1"/>
+              <ma14:wrappingTextBoxFlag xmlns:ma14="http://schemas.microsoft.com/office/mac/drawingml/2011/main" xmlns:a14="http://schemas.microsoft.com/office/drawing/2010/main" xmlns:m="http://schemas.openxmlformats.org/officeDocument/2006/math" xmlns="" val="1"/>
             </a:ext>
           </a:extLst>
         </p:spPr>
@@ -23962,7 +23971,7 @@
           </a:ln>
           <a:extLst>
             <a:ext uri="{C572A759-6A51-4108-AA02-DFA0A04FC94B}">
-              <ma14:wrappingTextBoxFlag xmlns="" xmlns:m="http://schemas.openxmlformats.org/officeDocument/2006/math" xmlns:a14="http://schemas.microsoft.com/office/drawing/2010/main" xmlns:ma14="http://schemas.microsoft.com/office/mac/drawingml/2011/main" val="1"/>
+              <ma14:wrappingTextBoxFlag xmlns:ma14="http://schemas.microsoft.com/office/mac/drawingml/2011/main" xmlns:a14="http://schemas.microsoft.com/office/drawing/2010/main" xmlns:m="http://schemas.openxmlformats.org/officeDocument/2006/math" xmlns="" val="1"/>
             </a:ext>
           </a:extLst>
         </p:spPr>
